--- a/SC1015 Slides.pptx
+++ b/SC1015 Slides.pptx
@@ -5005,7 +5005,7 @@
                 <a:cs typeface="Roboto"/>
                 <a:sym typeface="Roboto"/>
               </a:rPr>
-              <a:t>And here are our conclusion:</a:t>
+              <a:t>And here are our insights:</a:t>
             </a:r>
             <a:endParaRPr sz="1400">
               <a:solidFill>
@@ -5018,19 +5018,14 @@
             </a:endParaRPr>
           </a:p>
           <a:p>
-            <a:pPr indent="-317500" lvl="0" marL="457200" rtl="0" algn="l">
-              <a:spcBef>
-                <a:spcPts val="0"/>
-              </a:spcBef>
-              <a:spcAft>
-                <a:spcPts val="0"/>
-              </a:spcAft>
-              <a:buClr>
-                <a:schemeClr val="dk1"/>
-              </a:buClr>
-              <a:buSzPts val="1400"/>
-              <a:buFont typeface="Roboto"/>
-              <a:buAutoNum type="arabicPeriod"/>
+            <a:pPr indent="0" lvl="0" marL="0" rtl="0" algn="l">
+              <a:spcBef>
+                <a:spcPts val="0"/>
+              </a:spcBef>
+              <a:spcAft>
+                <a:spcPts val="0"/>
+              </a:spcAft>
+              <a:buNone/>
             </a:pPr>
             <a:r>
               <a:rPr lang="en" sz="1400">
@@ -5042,7 +5037,7 @@
                 <a:cs typeface="Roboto"/>
                 <a:sym typeface="Roboto"/>
               </a:rPr>
-              <a:t>Each variable has low correlation with the suicide rates and thus, we cannot rely on a single variable to predict suicide rates</a:t>
+              <a:t>1. Each variable has low correlation with the suicide rates and thus, we cannot rely on a single variable to predict suicide rates</a:t>
             </a:r>
             <a:endParaRPr sz="1400">
               <a:solidFill>
@@ -5055,19 +5050,14 @@
             </a:endParaRPr>
           </a:p>
           <a:p>
-            <a:pPr indent="-317500" lvl="0" marL="457200" rtl="0" algn="l">
-              <a:spcBef>
-                <a:spcPts val="0"/>
-              </a:spcBef>
-              <a:spcAft>
-                <a:spcPts val="0"/>
-              </a:spcAft>
-              <a:buClr>
-                <a:schemeClr val="dk1"/>
-              </a:buClr>
-              <a:buSzPts val="1400"/>
-              <a:buFont typeface="Roboto"/>
-              <a:buAutoNum type="arabicPeriod"/>
+            <a:pPr indent="0" lvl="0" marL="0" rtl="0" algn="l">
+              <a:spcBef>
+                <a:spcPts val="0"/>
+              </a:spcBef>
+              <a:spcAft>
+                <a:spcPts val="0"/>
+              </a:spcAft>
+              <a:buNone/>
             </a:pPr>
             <a:r>
               <a:rPr lang="en" sz="1400">
@@ -5079,7 +5069,7 @@
                 <a:cs typeface="Roboto"/>
                 <a:sym typeface="Roboto"/>
               </a:rPr>
-              <a:t>However, when we include all the variables that we have, the accuracy increases dramatically. (0.7 accuracy is achieved)</a:t>
+              <a:t>2. However, when we include all the variables that we have and fine-tuned our models, the accuracy increases dramatically. </a:t>
             </a:r>
             <a:endParaRPr sz="1400">
               <a:solidFill>
@@ -5092,19 +5082,14 @@
             </a:endParaRPr>
           </a:p>
           <a:p>
-            <a:pPr indent="-317500" lvl="0" marL="457200" rtl="0" algn="l">
-              <a:spcBef>
-                <a:spcPts val="0"/>
-              </a:spcBef>
-              <a:spcAft>
-                <a:spcPts val="0"/>
-              </a:spcAft>
-              <a:buClr>
-                <a:schemeClr val="dk1"/>
-              </a:buClr>
-              <a:buSzPts val="1400"/>
-              <a:buFont typeface="Roboto"/>
-              <a:buAutoNum type="arabicPeriod"/>
+            <a:pPr indent="0" lvl="0" marL="0" rtl="0" algn="l">
+              <a:spcBef>
+                <a:spcPts val="0"/>
+              </a:spcBef>
+              <a:spcAft>
+                <a:spcPts val="0"/>
+              </a:spcAft>
+              <a:buNone/>
             </a:pPr>
             <a:r>
               <a:rPr lang="en" sz="1400">
@@ -5116,7 +5101,7 @@
                 <a:cs typeface="Roboto"/>
                 <a:sym typeface="Roboto"/>
               </a:rPr>
-              <a:t>We feel that suicide consist of complex interplay between some variables, that individually does not amount to suicide, just like the swiss cheese model</a:t>
+              <a:t>3. We feel that suicide consist of complex interplay between some variables, that individually does not amount to suicide, just like the swiss cheese model</a:t>
             </a:r>
             <a:endParaRPr sz="1400">
               <a:solidFill>
@@ -5129,19 +5114,14 @@
             </a:endParaRPr>
           </a:p>
           <a:p>
-            <a:pPr indent="-317500" lvl="0" marL="457200" rtl="0" algn="l">
-              <a:spcBef>
-                <a:spcPts val="0"/>
-              </a:spcBef>
-              <a:spcAft>
-                <a:spcPts val="0"/>
-              </a:spcAft>
-              <a:buClr>
-                <a:schemeClr val="dk1"/>
-              </a:buClr>
-              <a:buSzPts val="1400"/>
-              <a:buFont typeface="Roboto"/>
-              <a:buAutoNum type="arabicPeriod"/>
+            <a:pPr indent="0" lvl="0" marL="0" rtl="0" algn="l">
+              <a:spcBef>
+                <a:spcPts val="0"/>
+              </a:spcBef>
+              <a:spcAft>
+                <a:spcPts val="0"/>
+              </a:spcAft>
+              <a:buNone/>
             </a:pPr>
             <a:r>
               <a:rPr lang="en" sz="1400">
@@ -5153,7 +5133,7 @@
                 <a:cs typeface="Roboto"/>
                 <a:sym typeface="Roboto"/>
               </a:rPr>
-              <a:t>However, the accuracy of 0.75 is still not good enough, and there must be something else that explains suicide.</a:t>
+              <a:t>4. Our best models can achieve an accuracy score of 0.85, which is a great model performance score in predicting suicide rates.</a:t>
             </a:r>
             <a:endParaRPr sz="1400">
               <a:solidFill>
@@ -5166,19 +5146,14 @@
             </a:endParaRPr>
           </a:p>
           <a:p>
-            <a:pPr indent="-317500" lvl="0" marL="457200" rtl="0" algn="l">
-              <a:spcBef>
-                <a:spcPts val="0"/>
-              </a:spcBef>
-              <a:spcAft>
-                <a:spcPts val="0"/>
-              </a:spcAft>
-              <a:buClr>
-                <a:schemeClr val="dk1"/>
-              </a:buClr>
-              <a:buSzPts val="1400"/>
-              <a:buFont typeface="Roboto"/>
-              <a:buAutoNum type="arabicPeriod"/>
+            <a:pPr indent="0" lvl="0" marL="0" rtl="0" algn="l">
+              <a:spcBef>
+                <a:spcPts val="0"/>
+              </a:spcBef>
+              <a:spcAft>
+                <a:spcPts val="0"/>
+              </a:spcAft>
+              <a:buNone/>
             </a:pPr>
             <a:r>
               <a:rPr lang="en" sz="1400">
@@ -5190,7 +5165,39 @@
                 <a:cs typeface="Roboto"/>
                 <a:sym typeface="Roboto"/>
               </a:rPr>
-              <a:t>We believe that this “something else” is the microscopic factor that varies from every individual. Our model only take into account macroscopic factor of a country, but fail to consider the uniqueness of each human.</a:t>
+              <a:t>5. However, there must be something else that explains suicide. Therefore, we recommend that the models can still be improved given more data and variables to work with</a:t>
+            </a:r>
+            <a:endParaRPr sz="1400">
+              <a:solidFill>
+                <a:schemeClr val="dk1"/>
+              </a:solidFill>
+              <a:latin typeface="Roboto"/>
+              <a:ea typeface="Roboto"/>
+              <a:cs typeface="Roboto"/>
+              <a:sym typeface="Roboto"/>
+            </a:endParaRPr>
+          </a:p>
+          <a:p>
+            <a:pPr indent="0" lvl="0" marL="0" rtl="0" algn="l">
+              <a:spcBef>
+                <a:spcPts val="0"/>
+              </a:spcBef>
+              <a:spcAft>
+                <a:spcPts val="0"/>
+              </a:spcAft>
+              <a:buNone/>
+            </a:pPr>
+            <a:r>
+              <a:rPr lang="en" sz="1400">
+                <a:solidFill>
+                  <a:schemeClr val="dk1"/>
+                </a:solidFill>
+                <a:latin typeface="Roboto"/>
+                <a:ea typeface="Roboto"/>
+                <a:cs typeface="Roboto"/>
+                <a:sym typeface="Roboto"/>
+              </a:rPr>
+              <a:t>6. We believe that this “something else” is the microscopic factor that varies from every individual. Our model only take into account macroscopic factor of a country, but fail to consider the uniqueness of each Individual.</a:t>
             </a:r>
             <a:endParaRPr sz="1400">
               <a:solidFill>
@@ -11695,7 +11702,7 @@
                   <a:schemeClr val="accent1"/>
                 </a:solidFill>
               </a:rPr>
-              <a:t>Bernard, Rafi, Syazwan</a:t>
+              <a:t>Group 5: Bernard, Rafi, Syazwan</a:t>
             </a:r>
             <a:endParaRPr sz="1700">
               <a:solidFill>
@@ -24433,7 +24440,15 @@
             </a:pPr>
             <a:r>
               <a:rPr lang="en" sz="1400"/>
-              <a:t>We cannot rely on a single variable or predictor to predict suicide rates</a:t>
+              <a:t>We </a:t>
+            </a:r>
+            <a:r>
+              <a:rPr b="1" lang="en" sz="1400"/>
+              <a:t>cannot rely on a single variable</a:t>
+            </a:r>
+            <a:r>
+              <a:rPr lang="en" sz="1400"/>
+              <a:t> or predictor to predict suicide rates</a:t>
             </a:r>
             <a:endParaRPr sz="1400"/>
           </a:p>
@@ -24450,7 +24465,15 @@
             </a:pPr>
             <a:r>
               <a:rPr lang="en" sz="1400"/>
-              <a:t>However, when we combine every possible variables to build our model, a satisfactory result is produced</a:t>
+              <a:t>However, when we</a:t>
+            </a:r>
+            <a:r>
+              <a:rPr b="1" lang="en" sz="1400"/>
+              <a:t> combine every possible variables</a:t>
+            </a:r>
+            <a:r>
+              <a:rPr lang="en" sz="1400"/>
+              <a:t> to build our model, a satisfactory result is produced</a:t>
             </a:r>
             <a:endParaRPr sz="1400"/>
           </a:p>
@@ -24467,7 +24490,15 @@
             </a:pPr>
             <a:r>
               <a:rPr lang="en" sz="1400"/>
-              <a:t>There is a complex interplay of problems that leads to suicide</a:t>
+              <a:t>There is a </a:t>
+            </a:r>
+            <a:r>
+              <a:rPr b="1" lang="en" sz="1400"/>
+              <a:t>complex interplay</a:t>
+            </a:r>
+            <a:r>
+              <a:rPr lang="en" sz="1400"/>
+              <a:t> of problems that leads to suicide</a:t>
             </a:r>
             <a:endParaRPr sz="1400"/>
           </a:p>
@@ -24483,25 +24514,12 @@
               <a:buChar char="-"/>
             </a:pPr>
             <a:r>
-              <a:rPr lang="en" sz="1400"/>
-              <a:t>Yet, this model is not good enough (still below 0.9 accuracy)</a:t>
+              <a:rPr b="1" lang="en" sz="1400"/>
+              <a:t>Only provide macroscopic variables</a:t>
             </a:r>
-            <a:endParaRPr sz="1400"/>
-          </a:p>
-          <a:p>
-            <a:pPr indent="-317500" lvl="0" marL="457200" rtl="0" algn="l">
-              <a:spcBef>
-                <a:spcPts val="0"/>
-              </a:spcBef>
-              <a:spcAft>
-                <a:spcPts val="0"/>
-              </a:spcAft>
-              <a:buSzPts val="1400"/>
-              <a:buChar char="-"/>
-            </a:pPr>
             <a:r>
               <a:rPr lang="en" sz="1400"/>
-              <a:t>Only provide macroscopic variables, and ignore </a:t>
+              <a:t>, and ignore </a:t>
             </a:r>
             <a:r>
               <a:rPr lang="en" sz="1400"/>
@@ -24902,7 +24920,7 @@
         </p:nvSpPr>
         <p:spPr>
           <a:xfrm>
-            <a:off x="483675" y="1031250"/>
+            <a:off x="483675" y="574050"/>
             <a:ext cx="8203200" cy="3696900"/>
           </a:xfrm>
           <a:prstGeom prst="rect">
@@ -25144,11 +25162,11 @@
             </a:pPr>
             <a:r>
               <a:rPr lang="en"/>
-              <a:t>Consists of </a:t>
+              <a:t>Consists of variables describing </a:t>
             </a:r>
             <a:r>
               <a:rPr lang="en"/>
-              <a:t>countries</a:t>
+              <a:t>countries’ condition</a:t>
             </a:r>
             <a:r>
               <a:rPr lang="en"/>
@@ -25485,7 +25503,7 @@
             </a:pPr>
             <a:r>
               <a:rPr lang="en"/>
-              <a:t>Merged the two datasets and cleaned them by removing variables that we feel do not affect the likelihood of one to commit suicide</a:t>
+              <a:t>Merged the two datasets and cleaned them by removing variables that has  a lot of missing data.</a:t>
             </a:r>
             <a:endParaRPr/>
           </a:p>
@@ -25502,7 +25520,31 @@
             </a:pPr>
             <a:r>
               <a:rPr lang="en"/>
-              <a:t>Only included countries with full details from the year 2007 to 2015 with the following variables: Sex (2 groups), Age (6 groups), suicide number, suicides per 100k population, gdp per capita, generation they were born it, the life ladder, and the social support rating</a:t>
+              <a:t>Only included countries with full details from the year 2007 to 2015 with the following variables: Sex (2 groups), Age (6 groups), </a:t>
+            </a:r>
+            <a:r>
+              <a:rPr lang="en"/>
+              <a:t>suicide number, suicides per 100k population, and variables that are related to a country’s condition in a given year, such as </a:t>
+            </a:r>
+            <a:r>
+              <a:rPr lang="en"/>
+              <a:t>gdp per capita </a:t>
+            </a:r>
+            <a:r>
+              <a:rPr lang="en">
+                <a:solidFill>
+                  <a:schemeClr val="dk1"/>
+                </a:solidFill>
+              </a:rPr>
+              <a:t>(log)</a:t>
+            </a:r>
+            <a:r>
+              <a:rPr lang="en"/>
+              <a:t>, the life ladder, the social support rating, </a:t>
+            </a:r>
+            <a:r>
+              <a:rPr lang="en"/>
+              <a:t>etc.</a:t>
             </a:r>
             <a:endParaRPr/>
           </a:p>
@@ -25861,6 +25903,285 @@
 </file>
 
 <file path=ppt/theme/theme2.xml><?xml version="1.0" encoding="utf-8"?>
+<a:theme xmlns:a="http://schemas.openxmlformats.org/drawingml/2006/main" xmlns:r="http://schemas.openxmlformats.org/officeDocument/2006/relationships" name="Slidesgo Final Pages">
+  <a:themeElements>
+    <a:clrScheme name="Simple Light">
+      <a:dk1>
+        <a:srgbClr val="000000"/>
+      </a:dk1>
+      <a:lt1>
+        <a:srgbClr val="FFFFFF"/>
+      </a:lt1>
+      <a:dk2>
+        <a:srgbClr val="595959"/>
+      </a:dk2>
+      <a:lt2>
+        <a:srgbClr val="EEEEEE"/>
+      </a:lt2>
+      <a:accent1>
+        <a:srgbClr val="FFAB40"/>
+      </a:accent1>
+      <a:accent2>
+        <a:srgbClr val="212121"/>
+      </a:accent2>
+      <a:accent3>
+        <a:srgbClr val="78909C"/>
+      </a:accent3>
+      <a:accent4>
+        <a:srgbClr val="FFAB40"/>
+      </a:accent4>
+      <a:accent5>
+        <a:srgbClr val="0097A7"/>
+      </a:accent5>
+      <a:accent6>
+        <a:srgbClr val="EEFF41"/>
+      </a:accent6>
+      <a:hlink>
+        <a:srgbClr val="0097A7"/>
+      </a:hlink>
+      <a:folHlink>
+        <a:srgbClr val="0097A7"/>
+      </a:folHlink>
+    </a:clrScheme>
+    <a:fontScheme name="Office">
+      <a:majorFont>
+        <a:latin typeface="Arial"/>
+        <a:ea typeface=""/>
+        <a:cs typeface=""/>
+        <a:font script="Jpan" typeface="ＭＳ Ｐゴシック"/>
+        <a:font script="Hang" typeface="맑은 고딕"/>
+        <a:font script="Hans" typeface="宋体"/>
+        <a:font script="Hant" typeface="新細明體"/>
+        <a:font script="Arab" typeface="Times New Roman"/>
+        <a:font script="Hebr" typeface="Times New Roman"/>
+        <a:font script="Thai" typeface="Angsana New"/>
+        <a:font script="Ethi" typeface="Nyala"/>
+        <a:font script="Beng" typeface="Vrinda"/>
+        <a:font script="Gujr" typeface="Shruti"/>
+        <a:font script="Khmr" typeface="MoolBoran"/>
+        <a:font script="Knda" typeface="Tunga"/>
+        <a:font script="Guru" typeface="Raavi"/>
+        <a:font script="Cans" typeface="Euphemia"/>
+        <a:font script="Cher" typeface="Plantagenet Cherokee"/>
+        <a:font script="Yiii" typeface="Microsoft Yi Baiti"/>
+        <a:font script="Tibt" typeface="Microsoft Himalaya"/>
+        <a:font script="Thaa" typeface="MV Boli"/>
+        <a:font script="Deva" typeface="Mangal"/>
+        <a:font script="Telu" typeface="Gautami"/>
+        <a:font script="Taml" typeface="Latha"/>
+        <a:font script="Syrc" typeface="Estrangelo Edessa"/>
+        <a:font script="Orya" typeface="Kalinga"/>
+        <a:font script="Mlym" typeface="Kartika"/>
+        <a:font script="Laoo" typeface="DokChampa"/>
+        <a:font script="Sinh" typeface="Iskoola Pota"/>
+        <a:font script="Mong" typeface="Mongolian Baiti"/>
+        <a:font script="Viet" typeface="Times New Roman"/>
+        <a:font script="Uigh" typeface="Microsoft Uighur"/>
+        <a:font script="Geor" typeface="Sylfaen"/>
+      </a:majorFont>
+      <a:minorFont>
+        <a:latin typeface="Arial"/>
+        <a:ea typeface=""/>
+        <a:cs typeface=""/>
+        <a:font script="Jpan" typeface="ＭＳ Ｐゴシック"/>
+        <a:font script="Hang" typeface="맑은 고딕"/>
+        <a:font script="Hans" typeface="宋体"/>
+        <a:font script="Hant" typeface="新細明體"/>
+        <a:font script="Arab" typeface="Arial"/>
+        <a:font script="Hebr" typeface="Arial"/>
+        <a:font script="Thai" typeface="Cordia New"/>
+        <a:font script="Ethi" typeface="Nyala"/>
+        <a:font script="Beng" typeface="Vrinda"/>
+        <a:font script="Gujr" typeface="Shruti"/>
+        <a:font script="Khmr" typeface="DaunPenh"/>
+        <a:font script="Knda" typeface="Tunga"/>
+        <a:font script="Guru" typeface="Raavi"/>
+        <a:font script="Cans" typeface="Euphemia"/>
+        <a:font script="Cher" typeface="Plantagenet Cherokee"/>
+        <a:font script="Yiii" typeface="Microsoft Yi Baiti"/>
+        <a:font script="Tibt" typeface="Microsoft Himalaya"/>
+        <a:font script="Thaa" typeface="MV Boli"/>
+        <a:font script="Deva" typeface="Mangal"/>
+        <a:font script="Telu" typeface="Gautami"/>
+        <a:font script="Taml" typeface="Latha"/>
+        <a:font script="Syrc" typeface="Estrangelo Edessa"/>
+        <a:font script="Orya" typeface="Kalinga"/>
+        <a:font script="Mlym" typeface="Kartika"/>
+        <a:font script="Laoo" typeface="DokChampa"/>
+        <a:font script="Sinh" typeface="Iskoola Pota"/>
+        <a:font script="Mong" typeface="Mongolian Baiti"/>
+        <a:font script="Viet" typeface="Arial"/>
+        <a:font script="Uigh" typeface="Microsoft Uighur"/>
+        <a:font script="Geor" typeface="Sylfaen"/>
+      </a:minorFont>
+    </a:fontScheme>
+    <a:fmtScheme name="Office">
+      <a:fillStyleLst>
+        <a:solidFill>
+          <a:schemeClr val="phClr"/>
+        </a:solidFill>
+        <a:gradFill rotWithShape="1">
+          <a:gsLst>
+            <a:gs pos="0">
+              <a:schemeClr val="phClr">
+                <a:tint val="50000"/>
+                <a:satMod val="300000"/>
+              </a:schemeClr>
+            </a:gs>
+            <a:gs pos="35000">
+              <a:schemeClr val="phClr">
+                <a:tint val="37000"/>
+                <a:satMod val="300000"/>
+              </a:schemeClr>
+            </a:gs>
+            <a:gs pos="100000">
+              <a:schemeClr val="phClr">
+                <a:tint val="15000"/>
+                <a:satMod val="350000"/>
+              </a:schemeClr>
+            </a:gs>
+          </a:gsLst>
+          <a:lin ang="16200000" scaled="1"/>
+        </a:gradFill>
+        <a:gradFill rotWithShape="1">
+          <a:gsLst>
+            <a:gs pos="0">
+              <a:schemeClr val="phClr">
+                <a:tint val="100000"/>
+                <a:shade val="100000"/>
+                <a:satMod val="130000"/>
+              </a:schemeClr>
+            </a:gs>
+            <a:gs pos="100000">
+              <a:schemeClr val="phClr">
+                <a:tint val="50000"/>
+                <a:shade val="100000"/>
+                <a:satMod val="350000"/>
+              </a:schemeClr>
+            </a:gs>
+          </a:gsLst>
+          <a:lin ang="16200000" scaled="0"/>
+        </a:gradFill>
+      </a:fillStyleLst>
+      <a:lnStyleLst>
+        <a:ln w="9525" cap="flat" cmpd="sng" algn="ctr">
+          <a:solidFill>
+            <a:schemeClr val="phClr">
+              <a:shade val="95000"/>
+              <a:satMod val="105000"/>
+            </a:schemeClr>
+          </a:solidFill>
+          <a:prstDash val="solid"/>
+        </a:ln>
+        <a:ln w="25400" cap="flat" cmpd="sng" algn="ctr">
+          <a:solidFill>
+            <a:schemeClr val="phClr"/>
+          </a:solidFill>
+          <a:prstDash val="solid"/>
+        </a:ln>
+        <a:ln w="38100" cap="flat" cmpd="sng" algn="ctr">
+          <a:solidFill>
+            <a:schemeClr val="phClr"/>
+          </a:solidFill>
+          <a:prstDash val="solid"/>
+        </a:ln>
+      </a:lnStyleLst>
+      <a:effectStyleLst>
+        <a:effectStyle>
+          <a:effectLst>
+            <a:outerShdw blurRad="40000" dist="20000" dir="5400000" rotWithShape="0">
+              <a:srgbClr val="000000">
+                <a:alpha val="38000"/>
+              </a:srgbClr>
+            </a:outerShdw>
+          </a:effectLst>
+        </a:effectStyle>
+        <a:effectStyle>
+          <a:effectLst>
+            <a:outerShdw blurRad="40000" dist="23000" dir="5400000" rotWithShape="0">
+              <a:srgbClr val="000000">
+                <a:alpha val="35000"/>
+              </a:srgbClr>
+            </a:outerShdw>
+          </a:effectLst>
+        </a:effectStyle>
+        <a:effectStyle>
+          <a:effectLst>
+            <a:outerShdw blurRad="40000" dist="23000" dir="5400000" rotWithShape="0">
+              <a:srgbClr val="000000">
+                <a:alpha val="35000"/>
+              </a:srgbClr>
+            </a:outerShdw>
+          </a:effectLst>
+          <a:scene3d>
+            <a:camera prst="orthographicFront">
+              <a:rot lat="0" lon="0" rev="0"/>
+            </a:camera>
+            <a:lightRig rig="threePt" dir="t">
+              <a:rot lat="0" lon="0" rev="1200000"/>
+            </a:lightRig>
+          </a:scene3d>
+          <a:sp3d>
+            <a:bevelT w="63500" h="25400"/>
+          </a:sp3d>
+        </a:effectStyle>
+      </a:effectStyleLst>
+      <a:bgFillStyleLst>
+        <a:solidFill>
+          <a:schemeClr val="phClr"/>
+        </a:solidFill>
+        <a:gradFill rotWithShape="1">
+          <a:gsLst>
+            <a:gs pos="0">
+              <a:schemeClr val="phClr">
+                <a:tint val="40000"/>
+                <a:satMod val="350000"/>
+              </a:schemeClr>
+            </a:gs>
+            <a:gs pos="40000">
+              <a:schemeClr val="phClr">
+                <a:tint val="45000"/>
+                <a:shade val="99000"/>
+                <a:satMod val="350000"/>
+              </a:schemeClr>
+            </a:gs>
+            <a:gs pos="100000">
+              <a:schemeClr val="phClr">
+                <a:shade val="20000"/>
+                <a:satMod val="255000"/>
+              </a:schemeClr>
+            </a:gs>
+          </a:gsLst>
+          <a:path path="circle">
+            <a:fillToRect l="50000" t="-80000" r="50000" b="180000"/>
+          </a:path>
+        </a:gradFill>
+        <a:gradFill rotWithShape="1">
+          <a:gsLst>
+            <a:gs pos="0">
+              <a:schemeClr val="phClr">
+                <a:tint val="80000"/>
+                <a:satMod val="300000"/>
+              </a:schemeClr>
+            </a:gs>
+            <a:gs pos="100000">
+              <a:schemeClr val="phClr">
+                <a:shade val="30000"/>
+                <a:satMod val="200000"/>
+              </a:schemeClr>
+            </a:gs>
+          </a:gsLst>
+          <a:path path="circle">
+            <a:fillToRect l="50000" t="50000" r="50000" b="50000"/>
+          </a:path>
+        </a:gradFill>
+      </a:bgFillStyleLst>
+    </a:fmtScheme>
+  </a:themeElements>
+</a:theme>
+</file>
+
+<file path=ppt/theme/theme3.xml><?xml version="1.0" encoding="utf-8"?>
 <a:theme xmlns:a="http://schemas.openxmlformats.org/drawingml/2006/main" xmlns:r="http://schemas.openxmlformats.org/officeDocument/2006/relationships" name="Data Charts Infographics by Slidesgo">
   <a:themeElements>
     <a:clrScheme name="Simple Light">
@@ -26137,283 +26458,4 @@
     </a:fmtScheme>
   </a:themeElements>
 </a:theme>
-</file>
-
-<file path=ppt/theme/theme3.xml><?xml version="1.0" encoding="utf-8"?>
-<a:theme xmlns:a="http://schemas.openxmlformats.org/drawingml/2006/main" xmlns:r="http://schemas.openxmlformats.org/officeDocument/2006/relationships" name="Slidesgo Final Pages">
-  <a:themeElements>
-    <a:clrScheme name="Simple Light">
-      <a:dk1>
-        <a:srgbClr val="000000"/>
-      </a:dk1>
-      <a:lt1>
-        <a:srgbClr val="FFFFFF"/>
-      </a:lt1>
-      <a:dk2>
-        <a:srgbClr val="595959"/>
-      </a:dk2>
-      <a:lt2>
-        <a:srgbClr val="EEEEEE"/>
-      </a:lt2>
-      <a:accent1>
-        <a:srgbClr val="FFAB40"/>
-      </a:accent1>
-      <a:accent2>
-        <a:srgbClr val="212121"/>
-      </a:accent2>
-      <a:accent3>
-        <a:srgbClr val="78909C"/>
-      </a:accent3>
-      <a:accent4>
-        <a:srgbClr val="FFAB40"/>
-      </a:accent4>
-      <a:accent5>
-        <a:srgbClr val="0097A7"/>
-      </a:accent5>
-      <a:accent6>
-        <a:srgbClr val="EEFF41"/>
-      </a:accent6>
-      <a:hlink>
-        <a:srgbClr val="0097A7"/>
-      </a:hlink>
-      <a:folHlink>
-        <a:srgbClr val="0097A7"/>
-      </a:folHlink>
-    </a:clrScheme>
-    <a:fontScheme name="Office">
-      <a:majorFont>
-        <a:latin typeface="Arial"/>
-        <a:ea typeface=""/>
-        <a:cs typeface=""/>
-        <a:font script="Jpan" typeface="ＭＳ Ｐゴシック"/>
-        <a:font script="Hang" typeface="맑은 고딕"/>
-        <a:font script="Hans" typeface="宋体"/>
-        <a:font script="Hant" typeface="新細明體"/>
-        <a:font script="Arab" typeface="Times New Roman"/>
-        <a:font script="Hebr" typeface="Times New Roman"/>
-        <a:font script="Thai" typeface="Angsana New"/>
-        <a:font script="Ethi" typeface="Nyala"/>
-        <a:font script="Beng" typeface="Vrinda"/>
-        <a:font script="Gujr" typeface="Shruti"/>
-        <a:font script="Khmr" typeface="MoolBoran"/>
-        <a:font script="Knda" typeface="Tunga"/>
-        <a:font script="Guru" typeface="Raavi"/>
-        <a:font script="Cans" typeface="Euphemia"/>
-        <a:font script="Cher" typeface="Plantagenet Cherokee"/>
-        <a:font script="Yiii" typeface="Microsoft Yi Baiti"/>
-        <a:font script="Tibt" typeface="Microsoft Himalaya"/>
-        <a:font script="Thaa" typeface="MV Boli"/>
-        <a:font script="Deva" typeface="Mangal"/>
-        <a:font script="Telu" typeface="Gautami"/>
-        <a:font script="Taml" typeface="Latha"/>
-        <a:font script="Syrc" typeface="Estrangelo Edessa"/>
-        <a:font script="Orya" typeface="Kalinga"/>
-        <a:font script="Mlym" typeface="Kartika"/>
-        <a:font script="Laoo" typeface="DokChampa"/>
-        <a:font script="Sinh" typeface="Iskoola Pota"/>
-        <a:font script="Mong" typeface="Mongolian Baiti"/>
-        <a:font script="Viet" typeface="Times New Roman"/>
-        <a:font script="Uigh" typeface="Microsoft Uighur"/>
-        <a:font script="Geor" typeface="Sylfaen"/>
-      </a:majorFont>
-      <a:minorFont>
-        <a:latin typeface="Arial"/>
-        <a:ea typeface=""/>
-        <a:cs typeface=""/>
-        <a:font script="Jpan" typeface="ＭＳ Ｐゴシック"/>
-        <a:font script="Hang" typeface="맑은 고딕"/>
-        <a:font script="Hans" typeface="宋体"/>
-        <a:font script="Hant" typeface="新細明體"/>
-        <a:font script="Arab" typeface="Arial"/>
-        <a:font script="Hebr" typeface="Arial"/>
-        <a:font script="Thai" typeface="Cordia New"/>
-        <a:font script="Ethi" typeface="Nyala"/>
-        <a:font script="Beng" typeface="Vrinda"/>
-        <a:font script="Gujr" typeface="Shruti"/>
-        <a:font script="Khmr" typeface="DaunPenh"/>
-        <a:font script="Knda" typeface="Tunga"/>
-        <a:font script="Guru" typeface="Raavi"/>
-        <a:font script="Cans" typeface="Euphemia"/>
-        <a:font script="Cher" typeface="Plantagenet Cherokee"/>
-        <a:font script="Yiii" typeface="Microsoft Yi Baiti"/>
-        <a:font script="Tibt" typeface="Microsoft Himalaya"/>
-        <a:font script="Thaa" typeface="MV Boli"/>
-        <a:font script="Deva" typeface="Mangal"/>
-        <a:font script="Telu" typeface="Gautami"/>
-        <a:font script="Taml" typeface="Latha"/>
-        <a:font script="Syrc" typeface="Estrangelo Edessa"/>
-        <a:font script="Orya" typeface="Kalinga"/>
-        <a:font script="Mlym" typeface="Kartika"/>
-        <a:font script="Laoo" typeface="DokChampa"/>
-        <a:font script="Sinh" typeface="Iskoola Pota"/>
-        <a:font script="Mong" typeface="Mongolian Baiti"/>
-        <a:font script="Viet" typeface="Arial"/>
-        <a:font script="Uigh" typeface="Microsoft Uighur"/>
-        <a:font script="Geor" typeface="Sylfaen"/>
-      </a:minorFont>
-    </a:fontScheme>
-    <a:fmtScheme name="Office">
-      <a:fillStyleLst>
-        <a:solidFill>
-          <a:schemeClr val="phClr"/>
-        </a:solidFill>
-        <a:gradFill rotWithShape="1">
-          <a:gsLst>
-            <a:gs pos="0">
-              <a:schemeClr val="phClr">
-                <a:tint val="50000"/>
-                <a:satMod val="300000"/>
-              </a:schemeClr>
-            </a:gs>
-            <a:gs pos="35000">
-              <a:schemeClr val="phClr">
-                <a:tint val="37000"/>
-                <a:satMod val="300000"/>
-              </a:schemeClr>
-            </a:gs>
-            <a:gs pos="100000">
-              <a:schemeClr val="phClr">
-                <a:tint val="15000"/>
-                <a:satMod val="350000"/>
-              </a:schemeClr>
-            </a:gs>
-          </a:gsLst>
-          <a:lin ang="16200000" scaled="1"/>
-        </a:gradFill>
-        <a:gradFill rotWithShape="1">
-          <a:gsLst>
-            <a:gs pos="0">
-              <a:schemeClr val="phClr">
-                <a:tint val="100000"/>
-                <a:shade val="100000"/>
-                <a:satMod val="130000"/>
-              </a:schemeClr>
-            </a:gs>
-            <a:gs pos="100000">
-              <a:schemeClr val="phClr">
-                <a:tint val="50000"/>
-                <a:shade val="100000"/>
-                <a:satMod val="350000"/>
-              </a:schemeClr>
-            </a:gs>
-          </a:gsLst>
-          <a:lin ang="16200000" scaled="0"/>
-        </a:gradFill>
-      </a:fillStyleLst>
-      <a:lnStyleLst>
-        <a:ln w="9525" cap="flat" cmpd="sng" algn="ctr">
-          <a:solidFill>
-            <a:schemeClr val="phClr">
-              <a:shade val="95000"/>
-              <a:satMod val="105000"/>
-            </a:schemeClr>
-          </a:solidFill>
-          <a:prstDash val="solid"/>
-        </a:ln>
-        <a:ln w="25400" cap="flat" cmpd="sng" algn="ctr">
-          <a:solidFill>
-            <a:schemeClr val="phClr"/>
-          </a:solidFill>
-          <a:prstDash val="solid"/>
-        </a:ln>
-        <a:ln w="38100" cap="flat" cmpd="sng" algn="ctr">
-          <a:solidFill>
-            <a:schemeClr val="phClr"/>
-          </a:solidFill>
-          <a:prstDash val="solid"/>
-        </a:ln>
-      </a:lnStyleLst>
-      <a:effectStyleLst>
-        <a:effectStyle>
-          <a:effectLst>
-            <a:outerShdw blurRad="40000" dist="20000" dir="5400000" rotWithShape="0">
-              <a:srgbClr val="000000">
-                <a:alpha val="38000"/>
-              </a:srgbClr>
-            </a:outerShdw>
-          </a:effectLst>
-        </a:effectStyle>
-        <a:effectStyle>
-          <a:effectLst>
-            <a:outerShdw blurRad="40000" dist="23000" dir="5400000" rotWithShape="0">
-              <a:srgbClr val="000000">
-                <a:alpha val="35000"/>
-              </a:srgbClr>
-            </a:outerShdw>
-          </a:effectLst>
-        </a:effectStyle>
-        <a:effectStyle>
-          <a:effectLst>
-            <a:outerShdw blurRad="40000" dist="23000" dir="5400000" rotWithShape="0">
-              <a:srgbClr val="000000">
-                <a:alpha val="35000"/>
-              </a:srgbClr>
-            </a:outerShdw>
-          </a:effectLst>
-          <a:scene3d>
-            <a:camera prst="orthographicFront">
-              <a:rot lat="0" lon="0" rev="0"/>
-            </a:camera>
-            <a:lightRig rig="threePt" dir="t">
-              <a:rot lat="0" lon="0" rev="1200000"/>
-            </a:lightRig>
-          </a:scene3d>
-          <a:sp3d>
-            <a:bevelT w="63500" h="25400"/>
-          </a:sp3d>
-        </a:effectStyle>
-      </a:effectStyleLst>
-      <a:bgFillStyleLst>
-        <a:solidFill>
-          <a:schemeClr val="phClr"/>
-        </a:solidFill>
-        <a:gradFill rotWithShape="1">
-          <a:gsLst>
-            <a:gs pos="0">
-              <a:schemeClr val="phClr">
-                <a:tint val="40000"/>
-                <a:satMod val="350000"/>
-              </a:schemeClr>
-            </a:gs>
-            <a:gs pos="40000">
-              <a:schemeClr val="phClr">
-                <a:tint val="45000"/>
-                <a:shade val="99000"/>
-                <a:satMod val="350000"/>
-              </a:schemeClr>
-            </a:gs>
-            <a:gs pos="100000">
-              <a:schemeClr val="phClr">
-                <a:shade val="20000"/>
-                <a:satMod val="255000"/>
-              </a:schemeClr>
-            </a:gs>
-          </a:gsLst>
-          <a:path path="circle">
-            <a:fillToRect l="50000" t="-80000" r="50000" b="180000"/>
-          </a:path>
-        </a:gradFill>
-        <a:gradFill rotWithShape="1">
-          <a:gsLst>
-            <a:gs pos="0">
-              <a:schemeClr val="phClr">
-                <a:tint val="80000"/>
-                <a:satMod val="300000"/>
-              </a:schemeClr>
-            </a:gs>
-            <a:gs pos="100000">
-              <a:schemeClr val="phClr">
-                <a:shade val="30000"/>
-                <a:satMod val="200000"/>
-              </a:schemeClr>
-            </a:gs>
-          </a:gsLst>
-          <a:path path="circle">
-            <a:fillToRect l="50000" t="50000" r="50000" b="50000"/>
-          </a:path>
-        </a:gradFill>
-      </a:bgFillStyleLst>
-    </a:fmtScheme>
-  </a:themeElements>
-</a:theme>
 </file>